--- a/INF1006_Poster.pptx
+++ b/INF1006_Poster.pptx
@@ -197,7 +197,7 @@
           <a:p>
             <a:fld id="{3E403BFD-1F53-42C3-A96D-D728AE625FF3}" type="datetimeFigureOut">
               <a:rPr lang="en-US" smtClean="0"/>
-              <a:t>3/30/2023</a:t>
+              <a:t>3/31/2023</a:t>
             </a:fld>
             <a:endParaRPr lang="en-US"/>
           </a:p>
@@ -1105,7 +1105,7 @@
           <a:p>
             <a:fld id="{B1B6FA8E-7D7F-467E-A1CB-59DD29E29154}" type="datetimeFigureOut">
               <a:rPr lang="en-US" smtClean="0"/>
-              <a:t>3/30/2023</a:t>
+              <a:t>3/31/2023</a:t>
             </a:fld>
             <a:endParaRPr lang="en-US"/>
           </a:p>
@@ -1275,7 +1275,7 @@
           <a:p>
             <a:fld id="{B1B6FA8E-7D7F-467E-A1CB-59DD29E29154}" type="datetimeFigureOut">
               <a:rPr lang="en-US" smtClean="0"/>
-              <a:t>3/30/2023</a:t>
+              <a:t>3/31/2023</a:t>
             </a:fld>
             <a:endParaRPr lang="en-US"/>
           </a:p>
@@ -1455,7 +1455,7 @@
           <a:p>
             <a:fld id="{B1B6FA8E-7D7F-467E-A1CB-59DD29E29154}" type="datetimeFigureOut">
               <a:rPr lang="en-US" smtClean="0"/>
-              <a:t>3/30/2023</a:t>
+              <a:t>3/31/2023</a:t>
             </a:fld>
             <a:endParaRPr lang="en-US"/>
           </a:p>
@@ -1625,7 +1625,7 @@
           <a:p>
             <a:fld id="{B1B6FA8E-7D7F-467E-A1CB-59DD29E29154}" type="datetimeFigureOut">
               <a:rPr lang="en-US" smtClean="0"/>
-              <a:t>3/30/2023</a:t>
+              <a:t>3/31/2023</a:t>
             </a:fld>
             <a:endParaRPr lang="en-US"/>
           </a:p>
@@ -1869,7 +1869,7 @@
           <a:p>
             <a:fld id="{B1B6FA8E-7D7F-467E-A1CB-59DD29E29154}" type="datetimeFigureOut">
               <a:rPr lang="en-US" smtClean="0"/>
-              <a:t>3/30/2023</a:t>
+              <a:t>3/31/2023</a:t>
             </a:fld>
             <a:endParaRPr lang="en-US"/>
           </a:p>
@@ -2101,7 +2101,7 @@
           <a:p>
             <a:fld id="{B1B6FA8E-7D7F-467E-A1CB-59DD29E29154}" type="datetimeFigureOut">
               <a:rPr lang="en-US" smtClean="0"/>
-              <a:t>3/30/2023</a:t>
+              <a:t>3/31/2023</a:t>
             </a:fld>
             <a:endParaRPr lang="en-US"/>
           </a:p>
@@ -2468,7 +2468,7 @@
           <a:p>
             <a:fld id="{B1B6FA8E-7D7F-467E-A1CB-59DD29E29154}" type="datetimeFigureOut">
               <a:rPr lang="en-US" smtClean="0"/>
-              <a:t>3/30/2023</a:t>
+              <a:t>3/31/2023</a:t>
             </a:fld>
             <a:endParaRPr lang="en-US"/>
           </a:p>
@@ -2586,7 +2586,7 @@
           <a:p>
             <a:fld id="{B1B6FA8E-7D7F-467E-A1CB-59DD29E29154}" type="datetimeFigureOut">
               <a:rPr lang="en-US" smtClean="0"/>
-              <a:t>3/30/2023</a:t>
+              <a:t>3/31/2023</a:t>
             </a:fld>
             <a:endParaRPr lang="en-US"/>
           </a:p>
@@ -2681,7 +2681,7 @@
           <a:p>
             <a:fld id="{B1B6FA8E-7D7F-467E-A1CB-59DD29E29154}" type="datetimeFigureOut">
               <a:rPr lang="en-US" smtClean="0"/>
-              <a:t>3/30/2023</a:t>
+              <a:t>3/31/2023</a:t>
             </a:fld>
             <a:endParaRPr lang="en-US"/>
           </a:p>
@@ -2958,7 +2958,7 @@
           <a:p>
             <a:fld id="{B1B6FA8E-7D7F-467E-A1CB-59DD29E29154}" type="datetimeFigureOut">
               <a:rPr lang="en-US" smtClean="0"/>
-              <a:t>3/30/2023</a:t>
+              <a:t>3/31/2023</a:t>
             </a:fld>
             <a:endParaRPr lang="en-US"/>
           </a:p>
@@ -3215,7 +3215,7 @@
           <a:p>
             <a:fld id="{B1B6FA8E-7D7F-467E-A1CB-59DD29E29154}" type="datetimeFigureOut">
               <a:rPr lang="en-US" smtClean="0"/>
-              <a:t>3/30/2023</a:t>
+              <a:t>3/31/2023</a:t>
             </a:fld>
             <a:endParaRPr lang="en-US"/>
           </a:p>
@@ -3428,7 +3428,7 @@
           <a:p>
             <a:fld id="{B1B6FA8E-7D7F-467E-A1CB-59DD29E29154}" type="datetimeFigureOut">
               <a:rPr lang="en-US" smtClean="0"/>
-              <a:t>3/30/2023</a:t>
+              <a:t>3/31/2023</a:t>
             </a:fld>
             <a:endParaRPr lang="en-US"/>
           </a:p>
@@ -4231,7 +4231,7 @@
         </p:blipFill>
         <p:spPr>
           <a:xfrm>
-            <a:off x="10767398" y="6495530"/>
+            <a:off x="9103643" y="6131152"/>
             <a:ext cx="9732859" cy="4158986"/>
           </a:xfrm>
           <a:prstGeom prst="rect">
@@ -4239,46 +4239,6 @@
           </a:prstGeom>
         </p:spPr>
       </p:pic>
-      <p:sp>
-        <p:nvSpPr>
-          <p:cNvPr id="17" name="TextBox 16"/>
-          <p:cNvSpPr txBox="1"/>
-          <p:nvPr/>
-        </p:nvSpPr>
-        <p:spPr>
-          <a:xfrm>
-            <a:off x="15330879" y="6099021"/>
-            <a:ext cx="6934200" cy="400110"/>
-          </a:xfrm>
-          <a:prstGeom prst="rect">
-            <a:avLst/>
-          </a:prstGeom>
-          <a:noFill/>
-        </p:spPr>
-        <p:txBody>
-          <a:bodyPr wrap="square" rtlCol="0">
-            <a:spAutoFit/>
-          </a:bodyPr>
-          <a:lstStyle/>
-          <a:p>
-            <a:r>
-              <a:rPr lang="en-US" sz="2000" i="1" dirty="0" smtClean="0">
-                <a:solidFill>
-                  <a:schemeClr val="accent1"/>
-                </a:solidFill>
-                <a:latin typeface="Arial" panose="020B0604020202020204" pitchFamily="34" charset="0"/>
-                <a:cs typeface="Arial" panose="020B0604020202020204" pitchFamily="34" charset="0"/>
-              </a:rPr>
-              <a:t>Picture1: Packet Tracer model of the system</a:t>
-            </a:r>
-            <a:endParaRPr lang="en-SG" dirty="0">
-              <a:solidFill>
-                <a:schemeClr val="accent1"/>
-              </a:solidFill>
-            </a:endParaRPr>
-          </a:p>
-        </p:txBody>
-      </p:sp>
       <p:pic>
         <p:nvPicPr>
           <p:cNvPr id="21" name="Picture 20"/>
@@ -4301,7 +4261,7 @@
         </p:blipFill>
         <p:spPr>
           <a:xfrm>
-            <a:off x="973395" y="6493095"/>
+            <a:off x="973395" y="7207964"/>
             <a:ext cx="4762500" cy="1393777"/>
           </a:xfrm>
           <a:prstGeom prst="rect">
@@ -4317,7 +4277,7 @@
         </p:nvSpPr>
         <p:spPr>
           <a:xfrm>
-            <a:off x="2059245" y="7338708"/>
+            <a:off x="2059245" y="8053577"/>
             <a:ext cx="3560126" cy="2492990"/>
           </a:xfrm>
           <a:prstGeom prst="rect">
@@ -4383,7 +4343,7 @@
         </p:blipFill>
         <p:spPr>
           <a:xfrm>
-            <a:off x="973395" y="9436018"/>
+            <a:off x="973395" y="11489879"/>
             <a:ext cx="4762500" cy="1393777"/>
           </a:xfrm>
           <a:prstGeom prst="rect">
@@ -4399,7 +4359,7 @@
         </p:nvSpPr>
         <p:spPr>
           <a:xfrm>
-            <a:off x="2059245" y="6621611"/>
+            <a:off x="2059245" y="7336480"/>
             <a:ext cx="4352532" cy="584775"/>
           </a:xfrm>
           <a:prstGeom prst="rect">
@@ -4441,7 +4401,7 @@
         </p:nvSpPr>
         <p:spPr>
           <a:xfrm>
-            <a:off x="2059245" y="10249416"/>
+            <a:off x="2059245" y="12303277"/>
             <a:ext cx="3676650" cy="5293757"/>
           </a:xfrm>
           <a:prstGeom prst="rect">
@@ -4496,7 +4456,7 @@
         </p:nvSpPr>
         <p:spPr>
           <a:xfrm>
-            <a:off x="2059244" y="9550330"/>
+            <a:off x="2059244" y="11604191"/>
             <a:ext cx="3947015" cy="584775"/>
           </a:xfrm>
           <a:prstGeom prst="rect">
@@ -4552,7 +4512,7 @@
         </p:blipFill>
         <p:spPr>
           <a:xfrm>
-            <a:off x="973395" y="20485173"/>
+            <a:off x="974977" y="19831798"/>
             <a:ext cx="4762500" cy="1393777"/>
           </a:xfrm>
           <a:prstGeom prst="rect">
@@ -4568,8 +4528,8 @@
         </p:nvSpPr>
         <p:spPr>
           <a:xfrm>
-            <a:off x="2059245" y="21330786"/>
-            <a:ext cx="3560126" cy="1877437"/>
+            <a:off x="2060827" y="20677411"/>
+            <a:ext cx="3560126" cy="2185214"/>
           </a:xfrm>
           <a:prstGeom prst="rect">
             <a:avLst/>
@@ -4619,6 +4579,19 @@
               </a:rPr>
               <a:t>MQTT</a:t>
             </a:r>
+          </a:p>
+          <a:p>
+            <a:pPr marL="342900" indent="-342900">
+              <a:buFont typeface="Arial" panose="020B0604020202020204" pitchFamily="34" charset="0"/>
+              <a:buChar char="•"/>
+            </a:pPr>
+            <a:r>
+              <a:rPr lang="en-US" sz="2000" dirty="0" smtClean="0">
+                <a:latin typeface="Arial" panose="020B0604020202020204" pitchFamily="34" charset="0"/>
+                <a:cs typeface="Arial" panose="020B0604020202020204" pitchFamily="34" charset="0"/>
+              </a:rPr>
+              <a:t>Raspberry Pi 4</a:t>
+            </a:r>
             <a:endParaRPr lang="en-SG" sz="2000" dirty="0" smtClean="0">
               <a:latin typeface="Arial" panose="020B0604020202020204" pitchFamily="34" charset="0"/>
               <a:cs typeface="Arial" panose="020B0604020202020204" pitchFamily="34" charset="0"/>
@@ -4650,7 +4623,7 @@
         </p:nvSpPr>
         <p:spPr>
           <a:xfrm>
-            <a:off x="2059245" y="20613689"/>
+            <a:off x="2060827" y="19960314"/>
             <a:ext cx="4645976" cy="584775"/>
           </a:xfrm>
           <a:prstGeom prst="rect">
@@ -4706,7 +4679,7 @@
         </p:blipFill>
         <p:spPr>
           <a:xfrm>
-            <a:off x="973395" y="22607695"/>
+            <a:off x="7872495" y="19848200"/>
             <a:ext cx="4762500" cy="1393777"/>
           </a:xfrm>
           <a:prstGeom prst="rect">
@@ -4722,8 +4695,8 @@
         </p:nvSpPr>
         <p:spPr>
           <a:xfrm>
-            <a:off x="2059245" y="23453308"/>
-            <a:ext cx="3560126" cy="2492990"/>
+            <a:off x="8958345" y="20693813"/>
+            <a:ext cx="3560126" cy="2800767"/>
           </a:xfrm>
           <a:prstGeom prst="rect">
             <a:avLst/>
@@ -4771,14 +4744,7 @@
                 <a:latin typeface="Arial" panose="020B0604020202020204" pitchFamily="34" charset="0"/>
                 <a:cs typeface="Arial" panose="020B0604020202020204" pitchFamily="34" charset="0"/>
               </a:rPr>
-              <a:t>Text to </a:t>
-            </a:r>
-            <a:r>
-              <a:rPr lang="en-US" sz="2000" dirty="0" smtClean="0">
-                <a:latin typeface="Arial" panose="020B0604020202020204" pitchFamily="34" charset="0"/>
-                <a:cs typeface="Arial" panose="020B0604020202020204" pitchFamily="34" charset="0"/>
-              </a:rPr>
-              <a:t>Speech (English)</a:t>
+              <a:t>Text to Speech (English)</a:t>
             </a:r>
           </a:p>
           <a:p>
@@ -4793,10 +4759,19 @@
               </a:rPr>
               <a:t>Text to Speech (Chinese)</a:t>
             </a:r>
-            <a:endParaRPr lang="en-US" sz="2000" dirty="0" smtClean="0">
-              <a:latin typeface="Arial" panose="020B0604020202020204" pitchFamily="34" charset="0"/>
-              <a:cs typeface="Arial" panose="020B0604020202020204" pitchFamily="34" charset="0"/>
-            </a:endParaRPr>
+          </a:p>
+          <a:p>
+            <a:pPr marL="342900" indent="-342900">
+              <a:buFont typeface="Arial" panose="020B0604020202020204" pitchFamily="34" charset="0"/>
+              <a:buChar char="•"/>
+            </a:pPr>
+            <a:r>
+              <a:rPr lang="en-US" sz="2000" dirty="0" smtClean="0">
+                <a:latin typeface="Arial" panose="020B0604020202020204" pitchFamily="34" charset="0"/>
+                <a:cs typeface="Arial" panose="020B0604020202020204" pitchFamily="34" charset="0"/>
+              </a:rPr>
+              <a:t>SMS</a:t>
+            </a:r>
           </a:p>
           <a:p>
             <a:pPr marL="342900" indent="-342900">
@@ -4834,7 +4809,7 @@
         </p:nvSpPr>
         <p:spPr>
           <a:xfrm>
-            <a:off x="2059245" y="22736211"/>
+            <a:off x="8958345" y="19976716"/>
             <a:ext cx="4645976" cy="584775"/>
           </a:xfrm>
           <a:prstGeom prst="rect">
@@ -4890,7 +4865,7 @@
         </p:blipFill>
         <p:spPr>
           <a:xfrm>
-            <a:off x="973395" y="15657484"/>
+            <a:off x="7872495" y="11492077"/>
             <a:ext cx="4762500" cy="1393777"/>
           </a:xfrm>
           <a:prstGeom prst="rect">
@@ -4906,8 +4881,8 @@
         </p:nvSpPr>
         <p:spPr>
           <a:xfrm>
-            <a:off x="2059245" y="16503097"/>
-            <a:ext cx="3560126" cy="1569660"/>
+            <a:off x="7426255" y="12967973"/>
+            <a:ext cx="6384996" cy="6801862"/>
           </a:xfrm>
           <a:prstGeom prst="rect">
             <a:avLst/>
@@ -4920,13 +4895,86 @@
           </a:bodyPr>
           <a:lstStyle/>
           <a:p>
+            <a:pPr marL="457200" indent="-457200">
+              <a:buFont typeface="+mj-lt"/>
+              <a:buAutoNum type="arabicPeriod"/>
+            </a:pPr>
             <a:r>
               <a:rPr lang="en-US" sz="2000" dirty="0" smtClean="0">
                 <a:latin typeface="Arial" panose="020B0604020202020204" pitchFamily="34" charset="0"/>
                 <a:cs typeface="Arial" panose="020B0604020202020204" pitchFamily="34" charset="0"/>
               </a:rPr>
-              <a:t>Test Sentence</a:t>
-            </a:r>
+              <a:t>Patient registers a device and logs their details and preferred check in time, preferably when they wake up, into the hospital database									</a:t>
+            </a:r>
+          </a:p>
+          <a:p>
+            <a:pPr marL="457200" indent="-457200">
+              <a:buFont typeface="+mj-lt"/>
+              <a:buAutoNum type="arabicPeriod"/>
+            </a:pPr>
+            <a:r>
+              <a:rPr lang="en-US" sz="2000" dirty="0" smtClean="0">
+                <a:latin typeface="Arial" panose="020B0604020202020204" pitchFamily="34" charset="0"/>
+                <a:cs typeface="Arial" panose="020B0604020202020204" pitchFamily="34" charset="0"/>
+              </a:rPr>
+              <a:t>Upon check in time, patient’s device would light up prompting them to press the button to respond					</a:t>
+            </a:r>
+          </a:p>
+          <a:p>
+            <a:pPr marL="457200" indent="-457200">
+              <a:buFont typeface="+mj-lt"/>
+              <a:buAutoNum type="arabicPeriod"/>
+            </a:pPr>
+            <a:r>
+              <a:rPr lang="en-US" sz="2000" dirty="0" smtClean="0">
+                <a:latin typeface="Arial" panose="020B0604020202020204" pitchFamily="34" charset="0"/>
+                <a:cs typeface="Arial" panose="020B0604020202020204" pitchFamily="34" charset="0"/>
+              </a:rPr>
+              <a:t>If the patient did not respond within 3min, an SMS would be sent to their phone prompting them to respond											</a:t>
+            </a:r>
+          </a:p>
+          <a:p>
+            <a:pPr marL="457200" indent="-457200">
+              <a:buFont typeface="+mj-lt"/>
+              <a:buAutoNum type="arabicPeriod"/>
+            </a:pPr>
+            <a:r>
+              <a:rPr lang="en-US" sz="2000" dirty="0" smtClean="0">
+                <a:latin typeface="Arial" panose="020B0604020202020204" pitchFamily="34" charset="0"/>
+                <a:cs typeface="Arial" panose="020B0604020202020204" pitchFamily="34" charset="0"/>
+              </a:rPr>
+              <a:t>If the patient did not respond within 3min of the SMS, the healthcare worker device would be notified and the healthcare worker would try and contact the patient</a:t>
+            </a:r>
+          </a:p>
+          <a:p>
+            <a:pPr marL="457200" indent="-457200">
+              <a:buFont typeface="+mj-lt"/>
+              <a:buAutoNum type="arabicPeriod"/>
+            </a:pPr>
+            <a:endParaRPr lang="en-US" sz="2000" dirty="0" smtClean="0">
+              <a:latin typeface="Arial" panose="020B0604020202020204" pitchFamily="34" charset="0"/>
+              <a:cs typeface="Arial" panose="020B0604020202020204" pitchFamily="34" charset="0"/>
+            </a:endParaRPr>
+          </a:p>
+          <a:p>
+            <a:pPr marL="457200" indent="-457200">
+              <a:buFont typeface="+mj-lt"/>
+              <a:buAutoNum type="arabicPeriod"/>
+            </a:pPr>
+            <a:endParaRPr lang="en-US" sz="2000" dirty="0" smtClean="0">
+              <a:latin typeface="Arial" panose="020B0604020202020204" pitchFamily="34" charset="0"/>
+              <a:cs typeface="Arial" panose="020B0604020202020204" pitchFamily="34" charset="0"/>
+            </a:endParaRPr>
+          </a:p>
+          <a:p>
+            <a:pPr marL="457200" indent="-457200">
+              <a:buFont typeface="+mj-lt"/>
+              <a:buAutoNum type="arabicPeriod"/>
+            </a:pPr>
+            <a:endParaRPr lang="en-US" sz="2000" dirty="0" smtClean="0">
+              <a:latin typeface="Arial" panose="020B0604020202020204" pitchFamily="34" charset="0"/>
+              <a:cs typeface="Arial" panose="020B0604020202020204" pitchFamily="34" charset="0"/>
+            </a:endParaRPr>
           </a:p>
           <a:p>
             <a:pPr marL="342900" indent="-342900">
@@ -4964,7 +5012,7 @@
         </p:nvSpPr>
         <p:spPr>
           <a:xfrm>
-            <a:off x="2059245" y="15786000"/>
+            <a:off x="8958345" y="11620593"/>
             <a:ext cx="4645976" cy="584775"/>
           </a:xfrm>
           <a:prstGeom prst="rect">
@@ -4986,7 +5034,7 @@
                 <a:latin typeface="Arial" panose="020B0604020202020204" pitchFamily="34" charset="0"/>
                 <a:cs typeface="Arial" panose="020B0604020202020204" pitchFamily="34" charset="0"/>
               </a:rPr>
-              <a:t>How to use</a:t>
+              <a:t>Device Operations</a:t>
             </a:r>
             <a:endParaRPr lang="en-US" sz="3200" b="1" dirty="0">
               <a:solidFill>
@@ -5020,7 +5068,7 @@
         </p:blipFill>
         <p:spPr>
           <a:xfrm>
-            <a:off x="1089919" y="24853729"/>
+            <a:off x="14770013" y="19951379"/>
             <a:ext cx="4762500" cy="1393777"/>
           </a:xfrm>
           <a:prstGeom prst="rect">
@@ -5036,8 +5084,8 @@
         </p:nvSpPr>
         <p:spPr>
           <a:xfrm>
-            <a:off x="2175769" y="25699342"/>
-            <a:ext cx="3560126" cy="1877437"/>
+            <a:off x="15855863" y="20796992"/>
+            <a:ext cx="4323782" cy="2185214"/>
           </a:xfrm>
           <a:prstGeom prst="rect">
             <a:avLst/>
@@ -5062,11 +5110,24 @@
               <a:t>Calls </a:t>
             </a:r>
             <a:r>
-              <a:rPr lang="en-US" sz="2000" dirty="0" err="1" smtClean="0">
+              <a:rPr lang="en-US" sz="2000" dirty="0" smtClean="0">
                 <a:latin typeface="Arial" panose="020B0604020202020204" pitchFamily="34" charset="0"/>
                 <a:cs typeface="Arial" panose="020B0604020202020204" pitchFamily="34" charset="0"/>
               </a:rPr>
-              <a:t>Bondulance</a:t>
+              <a:t>ambulance </a:t>
+            </a:r>
+          </a:p>
+          <a:p>
+            <a:pPr marL="342900" indent="-342900">
+              <a:buFont typeface="Arial" panose="020B0604020202020204" pitchFamily="34" charset="0"/>
+              <a:buChar char="•"/>
+            </a:pPr>
+            <a:r>
+              <a:rPr lang="en-US" sz="2000" dirty="0" smtClean="0">
+                <a:latin typeface="Arial" panose="020B0604020202020204" pitchFamily="34" charset="0"/>
+                <a:cs typeface="Arial" panose="020B0604020202020204" pitchFamily="34" charset="0"/>
+              </a:rPr>
+              <a:t>Calls family member </a:t>
             </a:r>
             <a:endParaRPr lang="en-US" sz="2000" dirty="0" smtClean="0">
               <a:latin typeface="Arial" panose="020B0604020202020204" pitchFamily="34" charset="0"/>
@@ -5096,8 +5157,19 @@
                 <a:latin typeface="Arial" panose="020B0604020202020204" pitchFamily="34" charset="0"/>
                 <a:cs typeface="Arial" panose="020B0604020202020204" pitchFamily="34" charset="0"/>
               </a:rPr>
-              <a:t>Text to Speech (Tamil)</a:t>
-            </a:r>
+              <a:t>Text to Speech (Tamil</a:t>
+            </a:r>
+            <a:r>
+              <a:rPr lang="en-US" sz="2000" dirty="0" smtClean="0">
+                <a:latin typeface="Arial" panose="020B0604020202020204" pitchFamily="34" charset="0"/>
+                <a:cs typeface="Arial" panose="020B0604020202020204" pitchFamily="34" charset="0"/>
+              </a:rPr>
+              <a:t>)</a:t>
+            </a:r>
+            <a:endParaRPr lang="en-US" sz="2000" dirty="0" smtClean="0">
+              <a:latin typeface="Arial" panose="020B0604020202020204" pitchFamily="34" charset="0"/>
+              <a:cs typeface="Arial" panose="020B0604020202020204" pitchFamily="34" charset="0"/>
+            </a:endParaRPr>
           </a:p>
           <a:p>
             <a:pPr marL="342900" indent="-342900">
@@ -5129,7 +5201,7 @@
         </p:nvSpPr>
         <p:spPr>
           <a:xfrm>
-            <a:off x="2175769" y="24982245"/>
+            <a:off x="15855863" y="20079895"/>
             <a:ext cx="4645976" cy="584775"/>
           </a:xfrm>
           <a:prstGeom prst="rect">
@@ -5152,6 +5224,637 @@
                 <a:cs typeface="Arial" panose="020B0604020202020204" pitchFamily="34" charset="0"/>
               </a:rPr>
               <a:t>Future Implementation</a:t>
+            </a:r>
+            <a:endParaRPr lang="en-US" sz="3200" b="1" dirty="0">
+              <a:solidFill>
+                <a:srgbClr val="C00000"/>
+              </a:solidFill>
+              <a:latin typeface="Arial" panose="020B0604020202020204" pitchFamily="34" charset="0"/>
+              <a:cs typeface="Arial" panose="020B0604020202020204" pitchFamily="34" charset="0"/>
+            </a:endParaRPr>
+          </a:p>
+        </p:txBody>
+      </p:sp>
+      <p:pic>
+        <p:nvPicPr>
+          <p:cNvPr id="1026" name="Picture 2" descr="Cisco Packet Tracer 7.0"/>
+          <p:cNvPicPr>
+            <a:picLocks noChangeAspect="1" noChangeArrowheads="1"/>
+          </p:cNvPicPr>
+          <p:nvPr/>
+        </p:nvPicPr>
+        <p:blipFill>
+          <a:blip r:embed="rId7">
+            <a:extLst>
+              <a:ext uri="{28A0092B-C50C-407E-A947-70E740481C1C}">
+                <a14:useLocalDpi xmlns:a14="http://schemas.microsoft.com/office/drawing/2010/main" val="0"/>
+              </a:ext>
+            </a:extLst>
+          </a:blip>
+          <a:srcRect/>
+          <a:stretch>
+            <a:fillRect/>
+          </a:stretch>
+        </p:blipFill>
+        <p:spPr bwMode="auto">
+          <a:xfrm>
+            <a:off x="1467862" y="22949883"/>
+            <a:ext cx="2092997" cy="1488979"/>
+          </a:xfrm>
+          <a:prstGeom prst="rect">
+            <a:avLst/>
+          </a:prstGeom>
+          <a:noFill/>
+          <a:extLst>
+            <a:ext uri="{909E8E84-426E-40DD-AFC4-6F175D3DCCD1}">
+              <a14:hiddenFill xmlns:a14="http://schemas.microsoft.com/office/drawing/2010/main">
+                <a:solidFill>
+                  <a:srgbClr val="FFFFFF"/>
+                </a:solidFill>
+              </a14:hiddenFill>
+            </a:ext>
+          </a:extLst>
+        </p:spPr>
+      </p:pic>
+      <p:sp>
+        <p:nvSpPr>
+          <p:cNvPr id="5" name="Rounded Rectangle 4"/>
+          <p:cNvSpPr/>
+          <p:nvPr/>
+        </p:nvSpPr>
+        <p:spPr>
+          <a:xfrm>
+            <a:off x="1291660" y="22747571"/>
+            <a:ext cx="4538397" cy="3387421"/>
+          </a:xfrm>
+          <a:prstGeom prst="roundRect">
+            <a:avLst/>
+          </a:prstGeom>
+          <a:noFill/>
+          <a:ln>
+            <a:solidFill>
+              <a:srgbClr val="C00000"/>
+            </a:solidFill>
+          </a:ln>
+        </p:spPr>
+        <p:style>
+          <a:lnRef idx="2">
+            <a:schemeClr val="accent1">
+              <a:shade val="50000"/>
+            </a:schemeClr>
+          </a:lnRef>
+          <a:fillRef idx="1">
+            <a:schemeClr val="accent1"/>
+          </a:fillRef>
+          <a:effectRef idx="0">
+            <a:schemeClr val="accent1"/>
+          </a:effectRef>
+          <a:fontRef idx="minor">
+            <a:schemeClr val="lt1"/>
+          </a:fontRef>
+        </p:style>
+        <p:txBody>
+          <a:bodyPr rtlCol="0" anchor="ctr"/>
+          <a:lstStyle/>
+          <a:p>
+            <a:pPr algn="ctr"/>
+            <a:endParaRPr lang="en-SG"/>
+          </a:p>
+        </p:txBody>
+      </p:sp>
+      <p:pic>
+        <p:nvPicPr>
+          <p:cNvPr id="41" name="Picture 4" descr="Visual Studio Code [ Download - Logo - icon ] png svg"/>
+          <p:cNvPicPr>
+            <a:picLocks noChangeAspect="1" noChangeArrowheads="1"/>
+          </p:cNvPicPr>
+          <p:nvPr/>
+        </p:nvPicPr>
+        <p:blipFill>
+          <a:blip r:embed="rId8" cstate="print">
+            <a:extLst>
+              <a:ext uri="{28A0092B-C50C-407E-A947-70E740481C1C}">
+                <a14:useLocalDpi xmlns:a14="http://schemas.microsoft.com/office/drawing/2010/main" val="0"/>
+              </a:ext>
+            </a:extLst>
+          </a:blip>
+          <a:srcRect/>
+          <a:stretch>
+            <a:fillRect/>
+          </a:stretch>
+        </p:blipFill>
+        <p:spPr bwMode="auto">
+          <a:xfrm>
+            <a:off x="3702093" y="22980446"/>
+            <a:ext cx="1335749" cy="1335749"/>
+          </a:xfrm>
+          <a:prstGeom prst="rect">
+            <a:avLst/>
+          </a:prstGeom>
+          <a:noFill/>
+          <a:extLst>
+            <a:ext uri="{909E8E84-426E-40DD-AFC4-6F175D3DCCD1}">
+              <a14:hiddenFill xmlns:a14="http://schemas.microsoft.com/office/drawing/2010/main">
+                <a:solidFill>
+                  <a:srgbClr val="FFFFFF"/>
+                </a:solidFill>
+              </a14:hiddenFill>
+            </a:ext>
+          </a:extLst>
+        </p:spPr>
+      </p:pic>
+      <p:pic>
+        <p:nvPicPr>
+          <p:cNvPr id="1032" name="Picture 8" descr="MQTT Broker-Client - The Blog of Ivan Krizsan"/>
+          <p:cNvPicPr>
+            <a:picLocks noChangeAspect="1" noChangeArrowheads="1"/>
+          </p:cNvPicPr>
+          <p:nvPr/>
+        </p:nvPicPr>
+        <p:blipFill>
+          <a:blip r:embed="rId9" cstate="print">
+            <a:extLst>
+              <a:ext uri="{28A0092B-C50C-407E-A947-70E740481C1C}">
+                <a14:useLocalDpi xmlns:a14="http://schemas.microsoft.com/office/drawing/2010/main" val="0"/>
+              </a:ext>
+            </a:extLst>
+          </a:blip>
+          <a:srcRect/>
+          <a:stretch>
+            <a:fillRect/>
+          </a:stretch>
+        </p:blipFill>
+        <p:spPr bwMode="auto">
+          <a:xfrm>
+            <a:off x="1653400" y="24447395"/>
+            <a:ext cx="1907460" cy="1634406"/>
+          </a:xfrm>
+          <a:prstGeom prst="rect">
+            <a:avLst/>
+          </a:prstGeom>
+          <a:noFill/>
+          <a:extLst>
+            <a:ext uri="{909E8E84-426E-40DD-AFC4-6F175D3DCCD1}">
+              <a14:hiddenFill xmlns:a14="http://schemas.microsoft.com/office/drawing/2010/main">
+                <a:solidFill>
+                  <a:srgbClr val="FFFFFF"/>
+                </a:solidFill>
+              </a14:hiddenFill>
+            </a:ext>
+          </a:extLst>
+        </p:spPr>
+      </p:pic>
+      <p:pic>
+        <p:nvPicPr>
+          <p:cNvPr id="1036" name="Picture 12" descr="Raspberry icon - Free download on Iconfinder"/>
+          <p:cNvPicPr>
+            <a:picLocks noChangeAspect="1" noChangeArrowheads="1"/>
+          </p:cNvPicPr>
+          <p:nvPr/>
+        </p:nvPicPr>
+        <p:blipFill>
+          <a:blip r:embed="rId10" cstate="print">
+            <a:extLst>
+              <a:ext uri="{28A0092B-C50C-407E-A947-70E740481C1C}">
+                <a14:useLocalDpi xmlns:a14="http://schemas.microsoft.com/office/drawing/2010/main" val="0"/>
+              </a:ext>
+            </a:extLst>
+          </a:blip>
+          <a:srcRect/>
+          <a:stretch>
+            <a:fillRect/>
+          </a:stretch>
+        </p:blipFill>
+        <p:spPr bwMode="auto">
+          <a:xfrm>
+            <a:off x="3702093" y="24495727"/>
+            <a:ext cx="1382471" cy="1382471"/>
+          </a:xfrm>
+          <a:prstGeom prst="rect">
+            <a:avLst/>
+          </a:prstGeom>
+          <a:noFill/>
+          <a:extLst>
+            <a:ext uri="{909E8E84-426E-40DD-AFC4-6F175D3DCCD1}">
+              <a14:hiddenFill xmlns:a14="http://schemas.microsoft.com/office/drawing/2010/main">
+                <a:solidFill>
+                  <a:srgbClr val="FFFFFF"/>
+                </a:solidFill>
+              </a14:hiddenFill>
+            </a:ext>
+          </a:extLst>
+        </p:spPr>
+      </p:pic>
+      <p:pic>
+        <p:nvPicPr>
+          <p:cNvPr id="1038" name="Picture 14" descr="TTS REPEATER - Android Apps on Google Play"/>
+          <p:cNvPicPr>
+            <a:picLocks noChangeAspect="1" noChangeArrowheads="1"/>
+          </p:cNvPicPr>
+          <p:nvPr/>
+        </p:nvPicPr>
+        <p:blipFill>
+          <a:blip r:embed="rId11">
+            <a:extLst>
+              <a:ext uri="{28A0092B-C50C-407E-A947-70E740481C1C}">
+                <a14:useLocalDpi xmlns:a14="http://schemas.microsoft.com/office/drawing/2010/main" val="0"/>
+              </a:ext>
+            </a:extLst>
+          </a:blip>
+          <a:srcRect/>
+          <a:stretch>
+            <a:fillRect/>
+          </a:stretch>
+        </p:blipFill>
+        <p:spPr bwMode="auto">
+          <a:xfrm>
+            <a:off x="8956763" y="22949883"/>
+            <a:ext cx="1359049" cy="1359049"/>
+          </a:xfrm>
+          <a:prstGeom prst="rect">
+            <a:avLst/>
+          </a:prstGeom>
+          <a:noFill/>
+          <a:extLst>
+            <a:ext uri="{909E8E84-426E-40DD-AFC4-6F175D3DCCD1}">
+              <a14:hiddenFill xmlns:a14="http://schemas.microsoft.com/office/drawing/2010/main">
+                <a:solidFill>
+                  <a:srgbClr val="FFFFFF"/>
+                </a:solidFill>
+              </a14:hiddenFill>
+            </a:ext>
+          </a:extLst>
+        </p:spPr>
+      </p:pic>
+      <p:pic>
+        <p:nvPicPr>
+          <p:cNvPr id="1040" name="Picture 16" descr="Sms Logos"/>
+          <p:cNvPicPr>
+            <a:picLocks noChangeAspect="1" noChangeArrowheads="1"/>
+          </p:cNvPicPr>
+          <p:nvPr/>
+        </p:nvPicPr>
+        <p:blipFill>
+          <a:blip r:embed="rId12" cstate="print">
+            <a:extLst>
+              <a:ext uri="{28A0092B-C50C-407E-A947-70E740481C1C}">
+                <a14:useLocalDpi xmlns:a14="http://schemas.microsoft.com/office/drawing/2010/main" val="0"/>
+              </a:ext>
+            </a:extLst>
+          </a:blip>
+          <a:srcRect/>
+          <a:stretch>
+            <a:fillRect/>
+          </a:stretch>
+        </p:blipFill>
+        <p:spPr bwMode="auto">
+          <a:xfrm>
+            <a:off x="11120284" y="22862625"/>
+            <a:ext cx="1396605" cy="1745756"/>
+          </a:xfrm>
+          <a:prstGeom prst="rect">
+            <a:avLst/>
+          </a:prstGeom>
+          <a:noFill/>
+          <a:extLst>
+            <a:ext uri="{909E8E84-426E-40DD-AFC4-6F175D3DCCD1}">
+              <a14:hiddenFill xmlns:a14="http://schemas.microsoft.com/office/drawing/2010/main">
+                <a:solidFill>
+                  <a:srgbClr val="FFFFFF"/>
+                </a:solidFill>
+              </a14:hiddenFill>
+            </a:ext>
+          </a:extLst>
+        </p:spPr>
+      </p:pic>
+      <p:sp>
+        <p:nvSpPr>
+          <p:cNvPr id="42" name="Rounded Rectangle 41"/>
+          <p:cNvSpPr/>
+          <p:nvPr/>
+        </p:nvSpPr>
+        <p:spPr>
+          <a:xfrm>
+            <a:off x="8467627" y="22745151"/>
+            <a:ext cx="4538397" cy="4437676"/>
+          </a:xfrm>
+          <a:prstGeom prst="roundRect">
+            <a:avLst/>
+          </a:prstGeom>
+          <a:noFill/>
+          <a:ln>
+            <a:solidFill>
+              <a:srgbClr val="C00000"/>
+            </a:solidFill>
+          </a:ln>
+        </p:spPr>
+        <p:style>
+          <a:lnRef idx="2">
+            <a:schemeClr val="accent1">
+              <a:shade val="50000"/>
+            </a:schemeClr>
+          </a:lnRef>
+          <a:fillRef idx="1">
+            <a:schemeClr val="accent1"/>
+          </a:fillRef>
+          <a:effectRef idx="0">
+            <a:schemeClr val="accent1"/>
+          </a:effectRef>
+          <a:fontRef idx="minor">
+            <a:schemeClr val="lt1"/>
+          </a:fontRef>
+        </p:style>
+        <p:txBody>
+          <a:bodyPr rtlCol="0" anchor="ctr"/>
+          <a:lstStyle/>
+          <a:p>
+            <a:pPr algn="ctr"/>
+            <a:endParaRPr lang="en-SG"/>
+          </a:p>
+        </p:txBody>
+      </p:sp>
+      <p:pic>
+        <p:nvPicPr>
+          <p:cNvPr id="13" name="Picture 12"/>
+          <p:cNvPicPr>
+            <a:picLocks noChangeAspect="1"/>
+          </p:cNvPicPr>
+          <p:nvPr/>
+        </p:nvPicPr>
+        <p:blipFill>
+          <a:blip r:embed="rId13">
+            <a:extLst>
+              <a:ext uri="{28A0092B-C50C-407E-A947-70E740481C1C}">
+                <a14:useLocalDpi xmlns:a14="http://schemas.microsoft.com/office/drawing/2010/main" val="0"/>
+              </a:ext>
+            </a:extLst>
+          </a:blip>
+          <a:stretch>
+            <a:fillRect/>
+          </a:stretch>
+        </p:blipFill>
+        <p:spPr>
+          <a:xfrm>
+            <a:off x="8740183" y="24438862"/>
+            <a:ext cx="3993283" cy="2574447"/>
+          </a:xfrm>
+          <a:prstGeom prst="rect">
+            <a:avLst/>
+          </a:prstGeom>
+        </p:spPr>
+      </p:pic>
+      <p:pic>
+        <p:nvPicPr>
+          <p:cNvPr id="1046" name="Picture 22" descr="Vector Ambulance Icon 421159 Vector Art at Vecteezy"/>
+          <p:cNvPicPr>
+            <a:picLocks noChangeAspect="1" noChangeArrowheads="1"/>
+          </p:cNvPicPr>
+          <p:nvPr/>
+        </p:nvPicPr>
+        <p:blipFill>
+          <a:blip r:embed="rId14" cstate="print">
+            <a:extLst>
+              <a:ext uri="{28A0092B-C50C-407E-A947-70E740481C1C}">
+                <a14:useLocalDpi xmlns:a14="http://schemas.microsoft.com/office/drawing/2010/main" val="0"/>
+              </a:ext>
+            </a:extLst>
+          </a:blip>
+          <a:srcRect/>
+          <a:stretch>
+            <a:fillRect/>
+          </a:stretch>
+        </p:blipFill>
+        <p:spPr bwMode="auto">
+          <a:xfrm flipH="1">
+            <a:off x="17890396" y="22716168"/>
+            <a:ext cx="1892213" cy="1892213"/>
+          </a:xfrm>
+          <a:prstGeom prst="rect">
+            <a:avLst/>
+          </a:prstGeom>
+          <a:noFill/>
+          <a:extLst>
+            <a:ext uri="{909E8E84-426E-40DD-AFC4-6F175D3DCCD1}">
+              <a14:hiddenFill xmlns:a14="http://schemas.microsoft.com/office/drawing/2010/main">
+                <a:solidFill>
+                  <a:srgbClr val="FFFFFF"/>
+                </a:solidFill>
+              </a14:hiddenFill>
+            </a:ext>
+          </a:extLst>
+        </p:spPr>
+      </p:pic>
+      <p:pic>
+        <p:nvPicPr>
+          <p:cNvPr id="46" name="Picture 14" descr="TTS REPEATER - Android Apps on Google Play"/>
+          <p:cNvPicPr>
+            <a:picLocks noChangeAspect="1" noChangeArrowheads="1"/>
+          </p:cNvPicPr>
+          <p:nvPr/>
+        </p:nvPicPr>
+        <p:blipFill>
+          <a:blip r:embed="rId11">
+            <a:extLst>
+              <a:ext uri="{28A0092B-C50C-407E-A947-70E740481C1C}">
+                <a14:useLocalDpi xmlns:a14="http://schemas.microsoft.com/office/drawing/2010/main" val="0"/>
+              </a:ext>
+            </a:extLst>
+          </a:blip>
+          <a:srcRect/>
+          <a:stretch>
+            <a:fillRect/>
+          </a:stretch>
+        </p:blipFill>
+        <p:spPr bwMode="auto">
+          <a:xfrm>
+            <a:off x="16134312" y="22968795"/>
+            <a:ext cx="1359049" cy="1359049"/>
+          </a:xfrm>
+          <a:prstGeom prst="rect">
+            <a:avLst/>
+          </a:prstGeom>
+          <a:noFill/>
+          <a:extLst>
+            <a:ext uri="{909E8E84-426E-40DD-AFC4-6F175D3DCCD1}">
+              <a14:hiddenFill xmlns:a14="http://schemas.microsoft.com/office/drawing/2010/main">
+                <a:solidFill>
+                  <a:srgbClr val="FFFFFF"/>
+                </a:solidFill>
+              </a14:hiddenFill>
+            </a:ext>
+          </a:extLst>
+        </p:spPr>
+      </p:pic>
+      <p:sp>
+        <p:nvSpPr>
+          <p:cNvPr id="45" name="Rounded Rectangle 44"/>
+          <p:cNvSpPr/>
+          <p:nvPr/>
+        </p:nvSpPr>
+        <p:spPr>
+          <a:xfrm>
+            <a:off x="15641248" y="22801648"/>
+            <a:ext cx="4538397" cy="1924279"/>
+          </a:xfrm>
+          <a:prstGeom prst="roundRect">
+            <a:avLst/>
+          </a:prstGeom>
+          <a:noFill/>
+          <a:ln>
+            <a:solidFill>
+              <a:srgbClr val="C00000"/>
+            </a:solidFill>
+          </a:ln>
+        </p:spPr>
+        <p:style>
+          <a:lnRef idx="2">
+            <a:schemeClr val="accent1">
+              <a:shade val="50000"/>
+            </a:schemeClr>
+          </a:lnRef>
+          <a:fillRef idx="1">
+            <a:schemeClr val="accent1"/>
+          </a:fillRef>
+          <a:effectRef idx="0">
+            <a:schemeClr val="accent1"/>
+          </a:effectRef>
+          <a:fontRef idx="minor">
+            <a:schemeClr val="lt1"/>
+          </a:fontRef>
+        </p:style>
+        <p:txBody>
+          <a:bodyPr rtlCol="0" anchor="ctr"/>
+          <a:lstStyle/>
+          <a:p>
+            <a:pPr algn="ctr"/>
+            <a:endParaRPr lang="en-SG"/>
+          </a:p>
+        </p:txBody>
+      </p:sp>
+      <p:pic>
+        <p:nvPicPr>
+          <p:cNvPr id="50" name="Picture 49"/>
+          <p:cNvPicPr>
+            <a:picLocks noChangeAspect="1"/>
+          </p:cNvPicPr>
+          <p:nvPr/>
+        </p:nvPicPr>
+        <p:blipFill>
+          <a:blip r:embed="rId6">
+            <a:extLst>
+              <a:ext uri="{28A0092B-C50C-407E-A947-70E740481C1C}">
+                <a14:useLocalDpi xmlns:a14="http://schemas.microsoft.com/office/drawing/2010/main" val="0"/>
+              </a:ext>
+            </a:extLst>
+          </a:blip>
+          <a:stretch>
+            <a:fillRect/>
+          </a:stretch>
+        </p:blipFill>
+        <p:spPr>
+          <a:xfrm>
+            <a:off x="14768431" y="11432061"/>
+            <a:ext cx="4762500" cy="1393777"/>
+          </a:xfrm>
+          <a:prstGeom prst="rect">
+            <a:avLst/>
+          </a:prstGeom>
+        </p:spPr>
+      </p:pic>
+      <p:sp>
+        <p:nvSpPr>
+          <p:cNvPr id="51" name="TextBox 50"/>
+          <p:cNvSpPr txBox="1"/>
+          <p:nvPr/>
+        </p:nvSpPr>
+        <p:spPr>
+          <a:xfrm>
+            <a:off x="15854281" y="12277674"/>
+            <a:ext cx="3560126" cy="4093428"/>
+          </a:xfrm>
+          <a:prstGeom prst="rect">
+            <a:avLst/>
+          </a:prstGeom>
+          <a:noFill/>
+        </p:spPr>
+        <p:txBody>
+          <a:bodyPr wrap="square" rtlCol="0">
+            <a:spAutoFit/>
+          </a:bodyPr>
+          <a:lstStyle/>
+          <a:p>
+            <a:pPr marL="285750" indent="-285750">
+              <a:buFont typeface="Arial" panose="020B0604020202020204" pitchFamily="34" charset="0"/>
+              <a:buChar char="•"/>
+            </a:pPr>
+            <a:r>
+              <a:rPr lang="en-US" sz="2000" dirty="0" smtClean="0">
+                <a:latin typeface="Arial" panose="020B0604020202020204" pitchFamily="34" charset="0"/>
+                <a:cs typeface="Arial" panose="020B0604020202020204" pitchFamily="34" charset="0"/>
+              </a:rPr>
+              <a:t>Patient’s device would connect to the MQTT server via their home Wi-Fi	</a:t>
+            </a:r>
+          </a:p>
+          <a:p>
+            <a:pPr marL="285750" indent="-285750">
+              <a:buFont typeface="Arial" panose="020B0604020202020204" pitchFamily="34" charset="0"/>
+              <a:buChar char="•"/>
+            </a:pPr>
+            <a:r>
+              <a:rPr lang="en-US" sz="2000" dirty="0" smtClean="0">
+                <a:latin typeface="Arial" panose="020B0604020202020204" pitchFamily="34" charset="0"/>
+                <a:cs typeface="Arial" panose="020B0604020202020204" pitchFamily="34" charset="0"/>
+              </a:rPr>
+              <a:t>Healthcare worker would connect to the MQTT server through their work stations  						</a:t>
+            </a:r>
+            <a:endParaRPr lang="en-SG" dirty="0"/>
+          </a:p>
+          <a:p>
+            <a:pPr marL="285750" indent="-285750">
+              <a:buFont typeface="Arial" panose="020B0604020202020204" pitchFamily="34" charset="0"/>
+              <a:buChar char="•"/>
+            </a:pPr>
+            <a:r>
+              <a:rPr lang="en-US" sz="2000" dirty="0" smtClean="0">
+                <a:latin typeface="Arial" panose="020B0604020202020204" pitchFamily="34" charset="0"/>
+                <a:cs typeface="Arial" panose="020B0604020202020204" pitchFamily="34" charset="0"/>
+              </a:rPr>
+              <a:t>Both patient and healthcare worker device would communicate through the MQTT server</a:t>
+            </a:r>
+          </a:p>
+        </p:txBody>
+      </p:sp>
+      <p:sp>
+        <p:nvSpPr>
+          <p:cNvPr id="52" name="TextBox 51"/>
+          <p:cNvSpPr txBox="1"/>
+          <p:nvPr/>
+        </p:nvSpPr>
+        <p:spPr>
+          <a:xfrm>
+            <a:off x="15854281" y="11560577"/>
+            <a:ext cx="4645976" cy="584775"/>
+          </a:xfrm>
+          <a:prstGeom prst="rect">
+            <a:avLst/>
+          </a:prstGeom>
+          <a:noFill/>
+        </p:spPr>
+        <p:txBody>
+          <a:bodyPr wrap="square" rtlCol="0">
+            <a:spAutoFit/>
+          </a:bodyPr>
+          <a:lstStyle/>
+          <a:p>
+            <a:r>
+              <a:rPr lang="en-US" sz="3200" b="1" dirty="0" smtClean="0">
+                <a:solidFill>
+                  <a:srgbClr val="C00000"/>
+                </a:solidFill>
+                <a:latin typeface="Arial" panose="020B0604020202020204" pitchFamily="34" charset="0"/>
+                <a:cs typeface="Arial" panose="020B0604020202020204" pitchFamily="34" charset="0"/>
+              </a:rPr>
+              <a:t>Network Connection</a:t>
             </a:r>
             <a:endParaRPr lang="en-US" sz="3200" b="1" dirty="0">
               <a:solidFill>

--- a/INF1006_Poster.pptx
+++ b/INF1006_Poster.pptx
@@ -4696,7 +4696,7 @@
         <p:spPr>
           <a:xfrm>
             <a:off x="8958345" y="20693813"/>
-            <a:ext cx="3560126" cy="2800767"/>
+            <a:ext cx="3560126" cy="3108543"/>
           </a:xfrm>
           <a:prstGeom prst="rect">
             <a:avLst/>
@@ -4731,8 +4731,32 @@
                 <a:latin typeface="Arial" panose="020B0604020202020204" pitchFamily="34" charset="0"/>
                 <a:cs typeface="Arial" panose="020B0604020202020204" pitchFamily="34" charset="0"/>
               </a:rPr>
-              <a:t>Basic Button</a:t>
-            </a:r>
+              <a:t>Basic </a:t>
+            </a:r>
+            <a:r>
+              <a:rPr lang="en-US" sz="2000" dirty="0" smtClean="0">
+                <a:latin typeface="Arial" panose="020B0604020202020204" pitchFamily="34" charset="0"/>
+                <a:cs typeface="Arial" panose="020B0604020202020204" pitchFamily="34" charset="0"/>
+              </a:rPr>
+              <a:t>Button</a:t>
+            </a:r>
+          </a:p>
+          <a:p>
+            <a:pPr marL="342900" indent="-342900">
+              <a:buFont typeface="Arial" panose="020B0604020202020204" pitchFamily="34" charset="0"/>
+              <a:buChar char="•"/>
+            </a:pPr>
+            <a:r>
+              <a:rPr lang="en-US" sz="2000" dirty="0" smtClean="0">
+                <a:latin typeface="Arial" panose="020B0604020202020204" pitchFamily="34" charset="0"/>
+                <a:cs typeface="Arial" panose="020B0604020202020204" pitchFamily="34" charset="0"/>
+              </a:rPr>
+              <a:t>Changing of check in time</a:t>
+            </a:r>
+            <a:endParaRPr lang="en-US" sz="2000" dirty="0" smtClean="0">
+              <a:latin typeface="Arial" panose="020B0604020202020204" pitchFamily="34" charset="0"/>
+              <a:cs typeface="Arial" panose="020B0604020202020204" pitchFamily="34" charset="0"/>
+            </a:endParaRPr>
           </a:p>
           <a:p>
             <a:pPr marL="342900" indent="-342900">
@@ -5107,14 +5131,7 @@
                 <a:latin typeface="Arial" panose="020B0604020202020204" pitchFamily="34" charset="0"/>
                 <a:cs typeface="Arial" panose="020B0604020202020204" pitchFamily="34" charset="0"/>
               </a:rPr>
-              <a:t>Calls </a:t>
-            </a:r>
-            <a:r>
-              <a:rPr lang="en-US" sz="2000" dirty="0" smtClean="0">
-                <a:latin typeface="Arial" panose="020B0604020202020204" pitchFamily="34" charset="0"/>
-                <a:cs typeface="Arial" panose="020B0604020202020204" pitchFamily="34" charset="0"/>
-              </a:rPr>
-              <a:t>ambulance </a:t>
+              <a:t>Calls ambulance </a:t>
             </a:r>
           </a:p>
           <a:p>
@@ -5129,10 +5146,6 @@
               </a:rPr>
               <a:t>Calls family member </a:t>
             </a:r>
-            <a:endParaRPr lang="en-US" sz="2000" dirty="0" smtClean="0">
-              <a:latin typeface="Arial" panose="020B0604020202020204" pitchFamily="34" charset="0"/>
-              <a:cs typeface="Arial" panose="020B0604020202020204" pitchFamily="34" charset="0"/>
-            </a:endParaRPr>
           </a:p>
           <a:p>
             <a:pPr marL="342900" indent="-342900">
@@ -5157,19 +5170,8 @@
                 <a:latin typeface="Arial" panose="020B0604020202020204" pitchFamily="34" charset="0"/>
                 <a:cs typeface="Arial" panose="020B0604020202020204" pitchFamily="34" charset="0"/>
               </a:rPr>
-              <a:t>Text to Speech (Tamil</a:t>
-            </a:r>
-            <a:r>
-              <a:rPr lang="en-US" sz="2000" dirty="0" smtClean="0">
-                <a:latin typeface="Arial" panose="020B0604020202020204" pitchFamily="34" charset="0"/>
-                <a:cs typeface="Arial" panose="020B0604020202020204" pitchFamily="34" charset="0"/>
-              </a:rPr>
-              <a:t>)</a:t>
-            </a:r>
-            <a:endParaRPr lang="en-US" sz="2000" dirty="0" smtClean="0">
-              <a:latin typeface="Arial" panose="020B0604020202020204" pitchFamily="34" charset="0"/>
-              <a:cs typeface="Arial" panose="020B0604020202020204" pitchFamily="34" charset="0"/>
-            </a:endParaRPr>
+              <a:t>Text to Speech (Tamil)</a:t>
+            </a:r>
           </a:p>
           <a:p>
             <a:pPr marL="342900" indent="-342900">
@@ -6409,29 +6411,6 @@
 </file>
 
 <file path=customXml/item1.xml><?xml version="1.0" encoding="utf-8"?>
-<?mso-contentType ?>
-<FormTemplates xmlns="http://schemas.microsoft.com/sharepoint/v3/contenttype/forms">
-  <Display>DocumentLibraryForm</Display>
-  <Edit>DocumentLibraryForm</Edit>
-  <New>DocumentLibraryForm</New>
-</FormTemplates>
-</file>
-
-<file path=customXml/item2.xml><?xml version="1.0" encoding="utf-8"?>
-<p:properties xmlns:p="http://schemas.microsoft.com/office/2006/metadata/properties" xmlns:xsi="http://www.w3.org/2001/XMLSchema-instance" xmlns:pc="http://schemas.microsoft.com/office/infopath/2007/PartnerControls">
-  <documentManagement>
-    <_ip_UnifiedCompliancePolicyUIAction xmlns="http://schemas.microsoft.com/sharepoint/v3" xsi:nil="true"/>
-    <dsrh xmlns="4464f5c8-ae05-415f-b9ca-4f85a263cc97" xsi:nil="true"/>
-    <_ip_UnifiedCompliancePolicyProperties xmlns="http://schemas.microsoft.com/sharepoint/v3" xsi:nil="true"/>
-    <PublishingExpirationDate xmlns="http://schemas.microsoft.com/sharepoint/v3" xsi:nil="true"/>
-    <hl2c xmlns="4464f5c8-ae05-415f-b9ca-4f85a263cc97" xsi:nil="true"/>
-    <PublishingStartDate xmlns="http://schemas.microsoft.com/sharepoint/v3" xsi:nil="true"/>
-    <u1pr xmlns="4464f5c8-ae05-415f-b9ca-4f85a263cc97" xsi:nil="true"/>
-  </documentManagement>
-</p:properties>
-</file>
-
-<file path=customXml/item3.xml><?xml version="1.0" encoding="utf-8"?>
 <ct:contentTypeSchema xmlns:ct="http://schemas.microsoft.com/office/2006/metadata/contentType" xmlns:ma="http://schemas.microsoft.com/office/2006/metadata/properties/metaAttributes" ct:_="" ma:_="" ma:contentTypeName="Document" ma:contentTypeID="0x01010076AF73011A2DAB45BDE0298602A2D081" ma:contentTypeVersion="15" ma:contentTypeDescription="Create a new document." ma:contentTypeScope="" ma:versionID="95d6f7be84cac729823795ee2faef057">
   <xsd:schema xmlns:xsd="http://www.w3.org/2001/XMLSchema" xmlns:xs="http://www.w3.org/2001/XMLSchema" xmlns:p="http://schemas.microsoft.com/office/2006/metadata/properties" xmlns:ns1="http://schemas.microsoft.com/sharepoint/v3" xmlns:ns2="f3a3a796-c958-4844-91fb-5d8351522e3b" xmlns:ns3="4b2ee772-610b-4608-83fe-2d971c0d96a3" xmlns:ns4="4464f5c8-ae05-415f-b9ca-4f85a263cc97" targetNamespace="http://schemas.microsoft.com/office/2006/metadata/properties" ma:root="true" ma:fieldsID="c413ca4ecf76b762014e32cae31c63f4" ns1:_="" ns2:_="" ns3:_="" ns4:_="">
     <xsd:import namespace="http://schemas.microsoft.com/sharepoint/v3"/>
@@ -6680,10 +6659,46 @@
 </ct:contentTypeSchema>
 </file>
 
+<file path=customXml/item2.xml><?xml version="1.0" encoding="utf-8"?>
+<p:properties xmlns:p="http://schemas.microsoft.com/office/2006/metadata/properties" xmlns:xsi="http://www.w3.org/2001/XMLSchema-instance" xmlns:pc="http://schemas.microsoft.com/office/infopath/2007/PartnerControls">
+  <documentManagement>
+    <_ip_UnifiedCompliancePolicyUIAction xmlns="http://schemas.microsoft.com/sharepoint/v3" xsi:nil="true"/>
+    <dsrh xmlns="4464f5c8-ae05-415f-b9ca-4f85a263cc97" xsi:nil="true"/>
+    <_ip_UnifiedCompliancePolicyProperties xmlns="http://schemas.microsoft.com/sharepoint/v3" xsi:nil="true"/>
+    <PublishingExpirationDate xmlns="http://schemas.microsoft.com/sharepoint/v3" xsi:nil="true"/>
+    <hl2c xmlns="4464f5c8-ae05-415f-b9ca-4f85a263cc97" xsi:nil="true"/>
+    <PublishingStartDate xmlns="http://schemas.microsoft.com/sharepoint/v3" xsi:nil="true"/>
+    <u1pr xmlns="4464f5c8-ae05-415f-b9ca-4f85a263cc97" xsi:nil="true"/>
+  </documentManagement>
+</p:properties>
+</file>
+
+<file path=customXml/item3.xml><?xml version="1.0" encoding="utf-8"?>
+<?mso-contentType ?>
+<FormTemplates xmlns="http://schemas.microsoft.com/sharepoint/v3/contenttype/forms">
+  <Display>DocumentLibraryForm</Display>
+  <Edit>DocumentLibraryForm</Edit>
+  <New>DocumentLibraryForm</New>
+</FormTemplates>
+</file>
+
 <file path=customXml/itemProps1.xml><?xml version="1.0" encoding="utf-8"?>
-<ds:datastoreItem xmlns:ds="http://schemas.openxmlformats.org/officeDocument/2006/customXml" ds:itemID="{F32FF808-2AA1-436E-A604-73A5DA1CB42F}">
+<ds:datastoreItem xmlns:ds="http://schemas.openxmlformats.org/officeDocument/2006/customXml" ds:itemID="{EE3F4DB0-59F5-4313-8E43-6F52A7CB99B5}">
   <ds:schemaRefs>
-    <ds:schemaRef ds:uri="http://schemas.microsoft.com/sharepoint/v3/contenttype/forms"/>
+    <ds:schemaRef ds:uri="http://schemas.microsoft.com/office/2006/metadata/contentType"/>
+    <ds:schemaRef ds:uri="http://schemas.microsoft.com/office/2006/metadata/properties/metaAttributes"/>
+    <ds:schemaRef ds:uri="http://www.w3.org/2001/XMLSchema"/>
+    <ds:schemaRef ds:uri="http://schemas.microsoft.com/office/2006/metadata/properties"/>
+    <ds:schemaRef ds:uri="http://schemas.microsoft.com/sharepoint/v3"/>
+    <ds:schemaRef ds:uri="f3a3a796-c958-4844-91fb-5d8351522e3b"/>
+    <ds:schemaRef ds:uri="4b2ee772-610b-4608-83fe-2d971c0d96a3"/>
+    <ds:schemaRef ds:uri="4464f5c8-ae05-415f-b9ca-4f85a263cc97"/>
+    <ds:schemaRef ds:uri="http://schemas.microsoft.com/office/2006/documentManagement/types"/>
+    <ds:schemaRef ds:uri="http://schemas.microsoft.com/office/infopath/2007/PartnerControls"/>
+    <ds:schemaRef ds:uri="http://schemas.openxmlformats.org/package/2006/metadata/core-properties"/>
+    <ds:schemaRef ds:uri="http://purl.org/dc/elements/1.1/"/>
+    <ds:schemaRef ds:uri="http://purl.org/dc/terms/"/>
+    <ds:schemaRef ds:uri="http://schemas.microsoft.com/internal/obd"/>
   </ds:schemaRefs>
 </ds:datastoreItem>
 </file>
@@ -6708,22 +6723,9 @@
 </file>
 
 <file path=customXml/itemProps3.xml><?xml version="1.0" encoding="utf-8"?>
-<ds:datastoreItem xmlns:ds="http://schemas.openxmlformats.org/officeDocument/2006/customXml" ds:itemID="{EE3F4DB0-59F5-4313-8E43-6F52A7CB99B5}">
+<ds:datastoreItem xmlns:ds="http://schemas.openxmlformats.org/officeDocument/2006/customXml" ds:itemID="{F32FF808-2AA1-436E-A604-73A5DA1CB42F}">
   <ds:schemaRefs>
-    <ds:schemaRef ds:uri="http://schemas.microsoft.com/office/2006/metadata/contentType"/>
-    <ds:schemaRef ds:uri="http://schemas.microsoft.com/office/2006/metadata/properties/metaAttributes"/>
-    <ds:schemaRef ds:uri="http://www.w3.org/2001/XMLSchema"/>
-    <ds:schemaRef ds:uri="http://schemas.microsoft.com/office/2006/metadata/properties"/>
-    <ds:schemaRef ds:uri="http://schemas.microsoft.com/sharepoint/v3"/>
-    <ds:schemaRef ds:uri="f3a3a796-c958-4844-91fb-5d8351522e3b"/>
-    <ds:schemaRef ds:uri="4b2ee772-610b-4608-83fe-2d971c0d96a3"/>
-    <ds:schemaRef ds:uri="4464f5c8-ae05-415f-b9ca-4f85a263cc97"/>
-    <ds:schemaRef ds:uri="http://schemas.microsoft.com/office/2006/documentManagement/types"/>
-    <ds:schemaRef ds:uri="http://schemas.microsoft.com/office/infopath/2007/PartnerControls"/>
-    <ds:schemaRef ds:uri="http://schemas.openxmlformats.org/package/2006/metadata/core-properties"/>
-    <ds:schemaRef ds:uri="http://purl.org/dc/elements/1.1/"/>
-    <ds:schemaRef ds:uri="http://purl.org/dc/terms/"/>
-    <ds:schemaRef ds:uri="http://schemas.microsoft.com/internal/obd"/>
+    <ds:schemaRef ds:uri="http://schemas.microsoft.com/sharepoint/v3/contenttype/forms"/>
   </ds:schemaRefs>
 </ds:datastoreItem>
 </file>